--- a/poster/posterV1_dinhedit.pptx
+++ b/poster/posterV1_dinhedit.pptx
@@ -3610,7 +3610,7 @@
         </p:nvSpPr>
         <p:spPr>
           <a:xfrm>
-            <a:off x="1628775" y="2023735"/>
+            <a:off x="1587116" y="2011371"/>
             <a:ext cx="1732263" cy="369332"/>
           </a:xfrm>
           <a:prstGeom prst="rect">
@@ -3624,6 +3624,7 @@
           </a:bodyPr>
           <a:lstStyle/>
           <a:p>
+            <a:pPr algn="ctr"/>
             <a:r>
               <a:rPr lang="en-US" b="1" dirty="0"/>
               <a:t>THỰC TRẠNG</a:t>
@@ -3640,8 +3641,8 @@
         </p:nvSpPr>
         <p:spPr>
           <a:xfrm>
-            <a:off x="6872164" y="2176135"/>
-            <a:ext cx="1732263" cy="646331"/>
+            <a:off x="6121186" y="2013684"/>
+            <a:ext cx="2337188" cy="369332"/>
           </a:xfrm>
           <a:prstGeom prst="rect">
             <a:avLst/>
@@ -3654,6 +3655,7 @@
           </a:bodyPr>
           <a:lstStyle/>
           <a:p>
+            <a:pPr algn="ctr"/>
             <a:r>
               <a:rPr lang="en-US" b="1" dirty="0" err="1"/>
               <a:t>Mục</a:t>
@@ -3668,7 +3670,7 @@
             </a:r>
             <a:r>
               <a:rPr lang="en-US" b="1" dirty="0"/>
-              <a:t> </a:t>
+              <a:t>, </a:t>
             </a:r>
             <a:r>
               <a:rPr lang="en-US" b="1" dirty="0" err="1"/>
@@ -5588,7 +5590,7 @@
         </p:nvSpPr>
         <p:spPr>
           <a:xfrm>
-            <a:off x="370667" y="2470298"/>
+            <a:off x="377832" y="2586584"/>
             <a:ext cx="4325769" cy="2308324"/>
           </a:xfrm>
           <a:prstGeom prst="rect">
@@ -5975,7 +5977,7 @@
         </p:nvSpPr>
         <p:spPr>
           <a:xfrm>
-            <a:off x="5305323" y="2983181"/>
+            <a:off x="5325527" y="2586584"/>
             <a:ext cx="3937531" cy="1477328"/>
           </a:xfrm>
           <a:prstGeom prst="rect">

--- a/poster/posterV1_dinhedit.pptx
+++ b/poster/posterV1_dinhedit.pptx
@@ -3525,7 +3525,7 @@
         <p:spPr>
           <a:xfrm>
             <a:off x="197711" y="5367548"/>
-            <a:ext cx="9045143" cy="6007915"/>
+            <a:ext cx="9227903" cy="6007915"/>
           </a:xfrm>
           <a:prstGeom prst="roundRect">
             <a:avLst/>
@@ -3567,8 +3567,8 @@
         </p:nvSpPr>
         <p:spPr>
           <a:xfrm>
-            <a:off x="4881783" y="1958874"/>
-            <a:ext cx="4534070" cy="3191414"/>
+            <a:off x="4891544" y="1895966"/>
+            <a:ext cx="4534070" cy="3253008"/>
           </a:xfrm>
           <a:prstGeom prst="roundRect">
             <a:avLst/>
@@ -3641,8 +3641,8 @@
         </p:nvSpPr>
         <p:spPr>
           <a:xfrm>
-            <a:off x="6121186" y="2013684"/>
-            <a:ext cx="2337188" cy="369332"/>
+            <a:off x="5802513" y="2013938"/>
+            <a:ext cx="2899984" cy="369332"/>
           </a:xfrm>
           <a:prstGeom prst="rect">
             <a:avLst/>
@@ -3657,33 +3657,30 @@
           <a:p>
             <a:pPr algn="ctr"/>
             <a:r>
-              <a:rPr lang="en-US" b="1" dirty="0" err="1"/>
-              <a:t>Mục</a:t>
-            </a:r>
-            <a:r>
-              <a:rPr lang="en-US" b="1" dirty="0"/>
-              <a:t> </a:t>
-            </a:r>
-            <a:r>
-              <a:rPr lang="en-US" b="1" dirty="0" err="1"/>
-              <a:t>đích</a:t>
-            </a:r>
-            <a:r>
-              <a:rPr lang="en-US" b="1" dirty="0"/>
-              <a:t>, </a:t>
-            </a:r>
-            <a:r>
-              <a:rPr lang="en-US" b="1" dirty="0" err="1"/>
-              <a:t>đối</a:t>
-            </a:r>
-            <a:r>
-              <a:rPr lang="en-US" b="1" dirty="0"/>
-              <a:t> t</a:t>
-            </a:r>
-            <a:r>
-              <a:rPr lang="vi-VN" b="1" dirty="0"/>
-              <a:t>ượng</a:t>
-            </a:r>
+              <a:rPr lang="en-US" b="1" dirty="0">
+                <a:latin typeface="Times New Roman" panose="02020603050405020304" pitchFamily="18" charset="0"/>
+                <a:cs typeface="Times New Roman" panose="02020603050405020304" pitchFamily="18" charset="0"/>
+              </a:rPr>
+              <a:t>MỤC ĐÍCH, ĐỐI T</a:t>
+            </a:r>
+            <a:r>
+              <a:rPr lang="vi-VN" b="1" dirty="0">
+                <a:latin typeface="Times New Roman" panose="02020603050405020304" pitchFamily="18" charset="0"/>
+                <a:cs typeface="Times New Roman" panose="02020603050405020304" pitchFamily="18" charset="0"/>
+              </a:rPr>
+              <a:t>Ư</a:t>
+            </a:r>
+            <a:r>
+              <a:rPr lang="en-US" b="1" dirty="0">
+                <a:latin typeface="Times New Roman" panose="02020603050405020304" pitchFamily="18" charset="0"/>
+                <a:cs typeface="Times New Roman" panose="02020603050405020304" pitchFamily="18" charset="0"/>
+              </a:rPr>
+              <a:t>ỢNG</a:t>
+            </a:r>
+            <a:endParaRPr lang="vi-VN" b="1" dirty="0">
+              <a:latin typeface="Times New Roman" panose="02020603050405020304" pitchFamily="18" charset="0"/>
+              <a:cs typeface="Times New Roman" panose="02020603050405020304" pitchFamily="18" charset="0"/>
+            </a:endParaRPr>
           </a:p>
         </p:txBody>
       </p:sp>
@@ -3711,18 +3708,16 @@
           <a:p>
             <a:pPr algn="ctr"/>
             <a:r>
-              <a:rPr lang="en-US" b="1" dirty="0" err="1"/>
-              <a:t>Giải</a:t>
-            </a:r>
-            <a:r>
-              <a:rPr lang="en-US" b="1" dirty="0"/>
-              <a:t> </a:t>
-            </a:r>
-            <a:r>
-              <a:rPr lang="en-US" b="1" dirty="0" err="1"/>
-              <a:t>pháp</a:t>
-            </a:r>
-            <a:endParaRPr lang="vi-VN" b="1" dirty="0"/>
+              <a:rPr lang="en-US" b="1" dirty="0">
+                <a:latin typeface="Times New Roman" panose="02020603050405020304" pitchFamily="18" charset="0"/>
+                <a:cs typeface="Times New Roman" panose="02020603050405020304" pitchFamily="18" charset="0"/>
+              </a:rPr>
+              <a:t>GIẢI PHÁP</a:t>
+            </a:r>
+            <a:endParaRPr lang="vi-VN" b="1" dirty="0">
+              <a:latin typeface="Times New Roman" panose="02020603050405020304" pitchFamily="18" charset="0"/>
+              <a:cs typeface="Times New Roman" panose="02020603050405020304" pitchFamily="18" charset="0"/>
+            </a:endParaRPr>
           </a:p>
         </p:txBody>
       </p:sp>
